--- a/Presentation/PPT/App Ideas.pptx
+++ b/Presentation/PPT/App Ideas.pptx
@@ -6,11 +6,13 @@
   </p:sldMasterIdLst>
   <p:sldIdLst>
     <p:sldId id="256" r:id="rId2"/>
-    <p:sldId id="257" r:id="rId3"/>
-    <p:sldId id="258" r:id="rId4"/>
-    <p:sldId id="259" r:id="rId5"/>
-    <p:sldId id="260" r:id="rId6"/>
-    <p:sldId id="261" r:id="rId7"/>
+    <p:sldId id="262" r:id="rId3"/>
+    <p:sldId id="257" r:id="rId4"/>
+    <p:sldId id="258" r:id="rId5"/>
+    <p:sldId id="259" r:id="rId6"/>
+    <p:sldId id="260" r:id="rId7"/>
+    <p:sldId id="261" r:id="rId8"/>
+    <p:sldId id="263" r:id="rId9"/>
   </p:sldIdLst>
   <p:sldSz cx="12192000" cy="6858000"/>
   <p:notesSz cx="6858000" cy="9144000"/>
@@ -4529,7 +4531,7 @@
         </p:nvSpPr>
         <p:spPr>
           <a:xfrm>
-            <a:off x="2611808" y="1607128"/>
+            <a:off x="2611808" y="2201204"/>
             <a:ext cx="5518066" cy="2455592"/>
           </a:xfrm>
         </p:spPr>
@@ -4541,10 +4543,9 @@
           <a:p>
             <a:pPr algn="ctr"/>
             <a:r>
-              <a:rPr lang="en-PH" dirty="0" err="1"/>
-              <a:t>Dayalektor</a:t>
-            </a:r>
-            <a:endParaRPr lang="en-PH" dirty="0"/>
+              <a:rPr lang="en-PH" dirty="0"/>
+              <a:t>APP IDEAS</a:t>
+            </a:r>
           </a:p>
         </p:txBody>
       </p:sp>
@@ -4560,7 +4561,7 @@
         </p:nvSpPr>
         <p:spPr>
           <a:xfrm>
-            <a:off x="2772274" y="4572008"/>
+            <a:off x="2772274" y="4656796"/>
             <a:ext cx="5357600" cy="1475516"/>
           </a:xfrm>
         </p:spPr>
@@ -4648,6 +4649,67 @@
           <a:chExt cx="0" cy="0"/>
         </a:xfrm>
       </p:grpSpPr>
+      <p:sp>
+        <p:nvSpPr>
+          <p:cNvPr id="2" name="Title 1"/>
+          <p:cNvSpPr>
+            <a:spLocks noGrp="1"/>
+          </p:cNvSpPr>
+          <p:nvPr>
+            <p:ph type="ctrTitle"/>
+          </p:nvPr>
+        </p:nvSpPr>
+        <p:spPr>
+          <a:xfrm>
+            <a:off x="2611808" y="2201204"/>
+            <a:ext cx="5518066" cy="2455592"/>
+          </a:xfrm>
+        </p:spPr>
+        <p:txBody>
+          <a:bodyPr anchor="ctr">
+            <a:noAutofit/>
+          </a:bodyPr>
+          <a:lstStyle/>
+          <a:p>
+            <a:pPr algn="ctr"/>
+            <a:r>
+              <a:rPr lang="en-PH" dirty="0" err="1"/>
+              <a:t>Dayalektor</a:t>
+            </a:r>
+            <a:endParaRPr lang="en-PH" dirty="0"/>
+          </a:p>
+        </p:txBody>
+      </p:sp>
+    </p:spTree>
+    <p:extLst>
+      <p:ext uri="{BB962C8B-B14F-4D97-AF65-F5344CB8AC3E}">
+        <p14:creationId xmlns:p14="http://schemas.microsoft.com/office/powerpoint/2010/main" val="1989814866"/>
+      </p:ext>
+    </p:extLst>
+  </p:cSld>
+  <p:clrMapOvr>
+    <a:masterClrMapping/>
+  </p:clrMapOvr>
+</p:sld>
+</file>
+
+<file path=ppt/slides/slide3.xml><?xml version="1.0" encoding="utf-8"?>
+<p:sld xmlns:a="http://schemas.openxmlformats.org/drawingml/2006/main" xmlns:r="http://schemas.openxmlformats.org/officeDocument/2006/relationships" xmlns:p="http://schemas.openxmlformats.org/presentationml/2006/main">
+  <p:cSld>
+    <p:spTree>
+      <p:nvGrpSpPr>
+        <p:cNvPr id="1" name=""/>
+        <p:cNvGrpSpPr/>
+        <p:nvPr/>
+      </p:nvGrpSpPr>
+      <p:grpSpPr>
+        <a:xfrm>
+          <a:off x="0" y="0"/>
+          <a:ext cx="0" cy="0"/>
+          <a:chOff x="0" y="0"/>
+          <a:chExt cx="0" cy="0"/>
+        </a:xfrm>
+      </p:grpSpPr>
       <p:graphicFrame>
         <p:nvGraphicFramePr>
           <p:cNvPr id="5" name="Content Placeholder 4"/>
@@ -4658,13 +4720,13 @@
             <p:ph idx="1"/>
             <p:extLst>
               <p:ext uri="{D42A27DB-BD31-4B8C-83A1-F6EECF244321}">
-                <p14:modId xmlns:p14="http://schemas.microsoft.com/office/powerpoint/2010/main" val="2465615158"/>
+                <p14:modId xmlns:p14="http://schemas.microsoft.com/office/powerpoint/2010/main" val="1561653075"/>
               </p:ext>
             </p:extLst>
           </p:nvPr>
         </p:nvGraphicFramePr>
         <p:xfrm>
-          <a:off x="2197894" y="1097651"/>
+          <a:off x="2197894" y="1009969"/>
           <a:ext cx="7796212" cy="1950720"/>
         </p:xfrm>
         <a:graphic>
@@ -4853,13 +4915,13 @@
           <p:nvPr>
             <p:extLst>
               <p:ext uri="{D42A27DB-BD31-4B8C-83A1-F6EECF244321}">
-                <p14:modId xmlns:p14="http://schemas.microsoft.com/office/powerpoint/2010/main" val="3818258034"/>
+                <p14:modId xmlns:p14="http://schemas.microsoft.com/office/powerpoint/2010/main" val="3459712934"/>
               </p:ext>
             </p:extLst>
           </p:nvPr>
         </p:nvGraphicFramePr>
         <p:xfrm>
-          <a:off x="2197894" y="3048371"/>
+          <a:off x="2197894" y="2960689"/>
           <a:ext cx="7796212" cy="3169920"/>
         </p:xfrm>
         <a:graphic>
@@ -5052,7 +5114,7 @@
 </p:sld>
 </file>
 
-<file path=ppt/slides/slide3.xml><?xml version="1.0" encoding="utf-8"?>
+<file path=ppt/slides/slide4.xml><?xml version="1.0" encoding="utf-8"?>
 <p:sld xmlns:a="http://schemas.openxmlformats.org/drawingml/2006/main" xmlns:r="http://schemas.openxmlformats.org/officeDocument/2006/relationships" xmlns:p="http://schemas.openxmlformats.org/presentationml/2006/main">
   <p:cSld>
     <p:spTree>
@@ -5081,12 +5143,12 @@
         </p:nvSpPr>
         <p:spPr>
           <a:xfrm>
-            <a:off x="2692041" y="2333637"/>
+            <a:off x="2692041" y="2201204"/>
             <a:ext cx="5518066" cy="2455592"/>
           </a:xfrm>
         </p:spPr>
         <p:txBody>
-          <a:bodyPr>
+          <a:bodyPr anchor="ctr">
             <a:noAutofit/>
           </a:bodyPr>
           <a:lstStyle/>
@@ -5097,76 +5159,6 @@
               <a:t>Pharmasys</a:t>
             </a:r>
             <a:endParaRPr lang="en-PH" dirty="0"/>
-          </a:p>
-        </p:txBody>
-      </p:sp>
-      <p:sp>
-        <p:nvSpPr>
-          <p:cNvPr id="3" name="Subtitle 2"/>
-          <p:cNvSpPr>
-            <a:spLocks noGrp="1"/>
-          </p:cNvSpPr>
-          <p:nvPr>
-            <p:ph type="subTitle" idx="1"/>
-          </p:nvPr>
-        </p:nvSpPr>
-        <p:spPr>
-          <a:xfrm>
-            <a:off x="2772274" y="4572008"/>
-            <a:ext cx="5357600" cy="1475516"/>
-          </a:xfrm>
-        </p:spPr>
-        <p:txBody>
-          <a:bodyPr>
-            <a:noAutofit/>
-          </a:bodyPr>
-          <a:lstStyle/>
-          <a:p>
-            <a:r>
-              <a:rPr lang="en-PH" sz="2000" dirty="0"/>
-              <a:t>Belchez, Maica L.</a:t>
-            </a:r>
-            <a:br>
-              <a:rPr lang="en-PH" sz="2000" dirty="0"/>
-            </a:br>
-            <a:r>
-              <a:rPr lang="en-PH" sz="2000" dirty="0" err="1"/>
-              <a:t>Carpio</a:t>
-            </a:r>
-            <a:r>
-              <a:rPr lang="en-PH" sz="2000" dirty="0"/>
-              <a:t>, </a:t>
-            </a:r>
-            <a:r>
-              <a:rPr lang="en-PH" sz="2000" dirty="0" err="1"/>
-              <a:t>Aira</a:t>
-            </a:r>
-            <a:r>
-              <a:rPr lang="en-PH" sz="2000" dirty="0"/>
-              <a:t> Joyce A.</a:t>
-            </a:r>
-            <a:br>
-              <a:rPr lang="en-PH" sz="2000" dirty="0"/>
-            </a:br>
-            <a:r>
-              <a:rPr lang="en-PH" sz="2000" dirty="0" err="1"/>
-              <a:t>Gardon</a:t>
-            </a:r>
-            <a:r>
-              <a:rPr lang="en-PH" sz="2000" dirty="0"/>
-              <a:t>, Jana Marie G.</a:t>
-            </a:r>
-            <a:br>
-              <a:rPr lang="en-PH" sz="2000" dirty="0"/>
-            </a:br>
-            <a:r>
-              <a:rPr lang="en-PH" sz="2000" dirty="0" err="1"/>
-              <a:t>Haboc</a:t>
-            </a:r>
-            <a:r>
-              <a:rPr lang="en-PH" sz="2000" dirty="0"/>
-              <a:t>, Florence Gail G.</a:t>
-            </a:r>
           </a:p>
         </p:txBody>
       </p:sp>
@@ -5183,7 +5175,7 @@
 </p:sld>
 </file>
 
-<file path=ppt/slides/slide4.xml><?xml version="1.0" encoding="utf-8"?>
+<file path=ppt/slides/slide5.xml><?xml version="1.0" encoding="utf-8"?>
 <p:sld xmlns:a="http://schemas.openxmlformats.org/drawingml/2006/main" xmlns:r="http://schemas.openxmlformats.org/officeDocument/2006/relationships" xmlns:p="http://schemas.openxmlformats.org/presentationml/2006/main">
   <p:cSld>
     <p:spTree>
@@ -5540,7 +5532,7 @@
 </p:sld>
 </file>
 
-<file path=ppt/slides/slide5.xml><?xml version="1.0" encoding="utf-8"?>
+<file path=ppt/slides/slide6.xml><?xml version="1.0" encoding="utf-8"?>
 <p:sld xmlns:a="http://schemas.openxmlformats.org/drawingml/2006/main" xmlns:r="http://schemas.openxmlformats.org/officeDocument/2006/relationships" xmlns:p="http://schemas.openxmlformats.org/presentationml/2006/main">
   <p:cSld>
     <p:spTree>
@@ -5569,12 +5561,12 @@
         </p:nvSpPr>
         <p:spPr>
           <a:xfrm>
-            <a:off x="2692041" y="2333637"/>
+            <a:off x="2692041" y="2201204"/>
             <a:ext cx="5518066" cy="2455592"/>
           </a:xfrm>
         </p:spPr>
         <p:txBody>
-          <a:bodyPr>
+          <a:bodyPr anchor="ctr">
             <a:noAutofit/>
           </a:bodyPr>
           <a:lstStyle/>
@@ -5585,76 +5577,6 @@
               <a:t>CommutApp</a:t>
             </a:r>
             <a:endParaRPr lang="en-PH" dirty="0"/>
-          </a:p>
-        </p:txBody>
-      </p:sp>
-      <p:sp>
-        <p:nvSpPr>
-          <p:cNvPr id="3" name="Subtitle 2"/>
-          <p:cNvSpPr>
-            <a:spLocks noGrp="1"/>
-          </p:cNvSpPr>
-          <p:nvPr>
-            <p:ph type="subTitle" idx="1"/>
-          </p:nvPr>
-        </p:nvSpPr>
-        <p:spPr>
-          <a:xfrm>
-            <a:off x="2772274" y="4572008"/>
-            <a:ext cx="5357600" cy="1475516"/>
-          </a:xfrm>
-        </p:spPr>
-        <p:txBody>
-          <a:bodyPr>
-            <a:noAutofit/>
-          </a:bodyPr>
-          <a:lstStyle/>
-          <a:p>
-            <a:r>
-              <a:rPr lang="en-PH" sz="2000" dirty="0"/>
-              <a:t>Belchez, Maica L.</a:t>
-            </a:r>
-            <a:br>
-              <a:rPr lang="en-PH" sz="2000" dirty="0"/>
-            </a:br>
-            <a:r>
-              <a:rPr lang="en-PH" sz="2000" dirty="0" err="1"/>
-              <a:t>Carpio</a:t>
-            </a:r>
-            <a:r>
-              <a:rPr lang="en-PH" sz="2000" dirty="0"/>
-              <a:t>, </a:t>
-            </a:r>
-            <a:r>
-              <a:rPr lang="en-PH" sz="2000" dirty="0" err="1"/>
-              <a:t>Aira</a:t>
-            </a:r>
-            <a:r>
-              <a:rPr lang="en-PH" sz="2000" dirty="0"/>
-              <a:t> Joyce A.</a:t>
-            </a:r>
-            <a:br>
-              <a:rPr lang="en-PH" sz="2000" dirty="0"/>
-            </a:br>
-            <a:r>
-              <a:rPr lang="en-PH" sz="2000" dirty="0" err="1"/>
-              <a:t>Gardon</a:t>
-            </a:r>
-            <a:r>
-              <a:rPr lang="en-PH" sz="2000" dirty="0"/>
-              <a:t>, Jana Marie G.</a:t>
-            </a:r>
-            <a:br>
-              <a:rPr lang="en-PH" sz="2000" dirty="0"/>
-            </a:br>
-            <a:r>
-              <a:rPr lang="en-PH" sz="2000" dirty="0" err="1"/>
-              <a:t>Haboc</a:t>
-            </a:r>
-            <a:r>
-              <a:rPr lang="en-PH" sz="2000" dirty="0"/>
-              <a:t>, Florence Gail G.</a:t>
-            </a:r>
           </a:p>
         </p:txBody>
       </p:sp>
@@ -5671,7 +5593,7 @@
 </p:sld>
 </file>
 
-<file path=ppt/slides/slide6.xml><?xml version="1.0" encoding="utf-8"?>
+<file path=ppt/slides/slide7.xml><?xml version="1.0" encoding="utf-8"?>
 <p:sld xmlns:a="http://schemas.openxmlformats.org/drawingml/2006/main" xmlns:r="http://schemas.openxmlformats.org/officeDocument/2006/relationships" xmlns:p="http://schemas.openxmlformats.org/presentationml/2006/main">
   <p:cSld>
     <p:spTree>
@@ -5698,13 +5620,13 @@
             <p:ph idx="1"/>
             <p:extLst>
               <p:ext uri="{D42A27DB-BD31-4B8C-83A1-F6EECF244321}">
-                <p14:modId xmlns:p14="http://schemas.microsoft.com/office/powerpoint/2010/main" val="3743104971"/>
+                <p14:modId xmlns:p14="http://schemas.microsoft.com/office/powerpoint/2010/main" val="1547468943"/>
               </p:ext>
             </p:extLst>
           </p:nvPr>
         </p:nvGraphicFramePr>
         <p:xfrm>
-          <a:off x="2197894" y="2004535"/>
+          <a:off x="2197894" y="1941905"/>
           <a:ext cx="7796212" cy="1463040"/>
         </p:xfrm>
         <a:graphic>
@@ -5873,13 +5795,13 @@
           <p:nvPr>
             <p:extLst>
               <p:ext uri="{D42A27DB-BD31-4B8C-83A1-F6EECF244321}">
-                <p14:modId xmlns:p14="http://schemas.microsoft.com/office/powerpoint/2010/main" val="217720616"/>
+                <p14:modId xmlns:p14="http://schemas.microsoft.com/office/powerpoint/2010/main" val="3520667657"/>
               </p:ext>
             </p:extLst>
           </p:nvPr>
         </p:nvGraphicFramePr>
         <p:xfrm>
-          <a:off x="2197894" y="3467575"/>
+          <a:off x="2197894" y="3404945"/>
           <a:ext cx="7796212" cy="1706880"/>
         </p:xfrm>
         <a:graphic>
@@ -6044,6 +5966,73 @@
     <p:extLst>
       <p:ext uri="{BB962C8B-B14F-4D97-AF65-F5344CB8AC3E}">
         <p14:creationId xmlns:p14="http://schemas.microsoft.com/office/powerpoint/2010/main" val="4102261438"/>
+      </p:ext>
+    </p:extLst>
+  </p:cSld>
+  <p:clrMapOvr>
+    <a:masterClrMapping/>
+  </p:clrMapOvr>
+</p:sld>
+</file>
+
+<file path=ppt/slides/slide8.xml><?xml version="1.0" encoding="utf-8"?>
+<p:sld xmlns:a="http://schemas.openxmlformats.org/drawingml/2006/main" xmlns:r="http://schemas.openxmlformats.org/officeDocument/2006/relationships" xmlns:p="http://schemas.openxmlformats.org/presentationml/2006/main">
+  <p:cSld>
+    <p:spTree>
+      <p:nvGrpSpPr>
+        <p:cNvPr id="1" name=""/>
+        <p:cNvGrpSpPr/>
+        <p:nvPr/>
+      </p:nvGrpSpPr>
+      <p:grpSpPr>
+        <a:xfrm>
+          <a:off x="0" y="0"/>
+          <a:ext cx="0" cy="0"/>
+          <a:chOff x="0" y="0"/>
+          <a:chExt cx="0" cy="0"/>
+        </a:xfrm>
+      </p:grpSpPr>
+      <p:sp>
+        <p:nvSpPr>
+          <p:cNvPr id="2" name="Title 1"/>
+          <p:cNvSpPr>
+            <a:spLocks noGrp="1"/>
+          </p:cNvSpPr>
+          <p:nvPr>
+            <p:ph type="title"/>
+          </p:nvPr>
+        </p:nvSpPr>
+        <p:spPr>
+          <a:xfrm>
+            <a:off x="1405917" y="2890386"/>
+            <a:ext cx="9380166" cy="1077229"/>
+          </a:xfrm>
+        </p:spPr>
+        <p:txBody>
+          <a:bodyPr anchor="ctr">
+            <a:noAutofit/>
+          </a:bodyPr>
+          <a:lstStyle/>
+          <a:p>
+            <a:pPr algn="ctr"/>
+            <a:r>
+              <a:rPr lang="en-PH" sz="6000" dirty="0"/>
+              <a:t>THAT’S ALL…</a:t>
+            </a:r>
+            <a:br>
+              <a:rPr lang="en-PH" sz="6000" dirty="0"/>
+            </a:br>
+            <a:r>
+              <a:rPr lang="en-PH" sz="6000" dirty="0"/>
+              <a:t>THANK YOU VERY MUCH</a:t>
+            </a:r>
+          </a:p>
+        </p:txBody>
+      </p:sp>
+    </p:spTree>
+    <p:extLst>
+      <p:ext uri="{BB962C8B-B14F-4D97-AF65-F5344CB8AC3E}">
+        <p14:creationId xmlns:p14="http://schemas.microsoft.com/office/powerpoint/2010/main" val="4183024366"/>
       </p:ext>
     </p:extLst>
   </p:cSld>
